--- a/Encuadre_Programacion_Estructurada.pptx
+++ b/Encuadre_Programacion_Estructurada.pptx
@@ -250,7 +250,7 @@
           <a:p>
             <a:fld id="{2D59F0B2-E661-4F73-A117-B422A280627C}" type="datetimeFigureOut">
               <a:rPr lang="es-MX" smtClean="0"/>
-              <a:t>22/02/2021</a:t>
+              <a:t>23/02/2021</a:t>
             </a:fld>
             <a:endParaRPr lang="es-MX"/>
           </a:p>
@@ -420,7 +420,7 @@
           <a:p>
             <a:fld id="{2D59F0B2-E661-4F73-A117-B422A280627C}" type="datetimeFigureOut">
               <a:rPr lang="es-MX" smtClean="0"/>
-              <a:t>22/02/2021</a:t>
+              <a:t>23/02/2021</a:t>
             </a:fld>
             <a:endParaRPr lang="es-MX"/>
           </a:p>
@@ -600,7 +600,7 @@
           <a:p>
             <a:fld id="{2D59F0B2-E661-4F73-A117-B422A280627C}" type="datetimeFigureOut">
               <a:rPr lang="es-MX" smtClean="0"/>
-              <a:t>22/02/2021</a:t>
+              <a:t>23/02/2021</a:t>
             </a:fld>
             <a:endParaRPr lang="es-MX"/>
           </a:p>
@@ -770,7 +770,7 @@
           <a:p>
             <a:fld id="{2D59F0B2-E661-4F73-A117-B422A280627C}" type="datetimeFigureOut">
               <a:rPr lang="es-MX" smtClean="0"/>
-              <a:t>22/02/2021</a:t>
+              <a:t>23/02/2021</a:t>
             </a:fld>
             <a:endParaRPr lang="es-MX"/>
           </a:p>
@@ -1016,7 +1016,7 @@
           <a:p>
             <a:fld id="{2D59F0B2-E661-4F73-A117-B422A280627C}" type="datetimeFigureOut">
               <a:rPr lang="es-MX" smtClean="0"/>
-              <a:t>22/02/2021</a:t>
+              <a:t>23/02/2021</a:t>
             </a:fld>
             <a:endParaRPr lang="es-MX"/>
           </a:p>
@@ -1248,7 +1248,7 @@
           <a:p>
             <a:fld id="{2D59F0B2-E661-4F73-A117-B422A280627C}" type="datetimeFigureOut">
               <a:rPr lang="es-MX" smtClean="0"/>
-              <a:t>22/02/2021</a:t>
+              <a:t>23/02/2021</a:t>
             </a:fld>
             <a:endParaRPr lang="es-MX"/>
           </a:p>
@@ -1615,7 +1615,7 @@
           <a:p>
             <a:fld id="{2D59F0B2-E661-4F73-A117-B422A280627C}" type="datetimeFigureOut">
               <a:rPr lang="es-MX" smtClean="0"/>
-              <a:t>22/02/2021</a:t>
+              <a:t>23/02/2021</a:t>
             </a:fld>
             <a:endParaRPr lang="es-MX"/>
           </a:p>
@@ -1733,7 +1733,7 @@
           <a:p>
             <a:fld id="{2D59F0B2-E661-4F73-A117-B422A280627C}" type="datetimeFigureOut">
               <a:rPr lang="es-MX" smtClean="0"/>
-              <a:t>22/02/2021</a:t>
+              <a:t>23/02/2021</a:t>
             </a:fld>
             <a:endParaRPr lang="es-MX"/>
           </a:p>
@@ -1828,7 +1828,7 @@
           <a:p>
             <a:fld id="{2D59F0B2-E661-4F73-A117-B422A280627C}" type="datetimeFigureOut">
               <a:rPr lang="es-MX" smtClean="0"/>
-              <a:t>22/02/2021</a:t>
+              <a:t>23/02/2021</a:t>
             </a:fld>
             <a:endParaRPr lang="es-MX"/>
           </a:p>
@@ -2105,7 +2105,7 @@
           <a:p>
             <a:fld id="{2D59F0B2-E661-4F73-A117-B422A280627C}" type="datetimeFigureOut">
               <a:rPr lang="es-MX" smtClean="0"/>
-              <a:t>22/02/2021</a:t>
+              <a:t>23/02/2021</a:t>
             </a:fld>
             <a:endParaRPr lang="es-MX"/>
           </a:p>
@@ -2358,7 +2358,7 @@
           <a:p>
             <a:fld id="{2D59F0B2-E661-4F73-A117-B422A280627C}" type="datetimeFigureOut">
               <a:rPr lang="es-MX" smtClean="0"/>
-              <a:t>22/02/2021</a:t>
+              <a:t>23/02/2021</a:t>
             </a:fld>
             <a:endParaRPr lang="es-MX"/>
           </a:p>
@@ -2571,7 +2571,7 @@
           <a:p>
             <a:fld id="{2D59F0B2-E661-4F73-A117-B422A280627C}" type="datetimeFigureOut">
               <a:rPr lang="es-MX" smtClean="0"/>
-              <a:t>22/02/2021</a:t>
+              <a:t>23/02/2021</a:t>
             </a:fld>
             <a:endParaRPr lang="es-MX"/>
           </a:p>
@@ -3020,7 +3020,6 @@
               <a:rPr lang="es-MX" dirty="0" smtClean="0"/>
               <a:t>Febrero, 2021</a:t>
             </a:r>
-            <a:endParaRPr lang="es-MX" dirty="0" smtClean="0"/>
           </a:p>
         </p:txBody>
       </p:sp>
